--- a/templates/template.pptx
+++ b/templates/template.pptx
@@ -269,7 +269,7 @@
             <a:fld id="{A7C434D2-4FCE-1B42-8AA2-1D32263F022D}" type="datetimeFigureOut">
               <a:rPr lang="en-US" smtClean="0"/>
               <a:pPr/>
-              <a:t>9/16/23</a:t>
+              <a:t>7/7/25</a:t>
             </a:fld>
             <a:endParaRPr lang="en-US" dirty="0"/>
           </a:p>
@@ -467,7 +467,7 @@
           <a:p>
             <a:fld id="{A7C434D2-4FCE-1B42-8AA2-1D32263F022D}" type="datetimeFigureOut">
               <a:rPr lang="en-US" smtClean="0"/>
-              <a:t>9/16/23</a:t>
+              <a:t>7/7/25</a:t>
             </a:fld>
             <a:endParaRPr lang="en-US"/>
           </a:p>
@@ -675,7 +675,7 @@
           <a:p>
             <a:fld id="{A7C434D2-4FCE-1B42-8AA2-1D32263F022D}" type="datetimeFigureOut">
               <a:rPr lang="en-US" smtClean="0"/>
-              <a:t>9/16/23</a:t>
+              <a:t>7/7/25</a:t>
             </a:fld>
             <a:endParaRPr lang="en-US"/>
           </a:p>
@@ -883,7 +883,7 @@
           <a:p>
             <a:fld id="{A7C434D2-4FCE-1B42-8AA2-1D32263F022D}" type="datetimeFigureOut">
               <a:rPr lang="en-US" smtClean="0"/>
-              <a:t>9/16/23</a:t>
+              <a:t>7/7/25</a:t>
             </a:fld>
             <a:endParaRPr lang="en-US"/>
           </a:p>
@@ -1158,7 +1158,7 @@
           <a:p>
             <a:fld id="{A7C434D2-4FCE-1B42-8AA2-1D32263F022D}" type="datetimeFigureOut">
               <a:rPr lang="en-US" smtClean="0"/>
-              <a:t>9/16/23</a:t>
+              <a:t>7/7/25</a:t>
             </a:fld>
             <a:endParaRPr lang="en-US"/>
           </a:p>
@@ -1423,7 +1423,7 @@
           <a:p>
             <a:fld id="{A7C434D2-4FCE-1B42-8AA2-1D32263F022D}" type="datetimeFigureOut">
               <a:rPr lang="en-US" smtClean="0"/>
-              <a:t>9/16/23</a:t>
+              <a:t>7/7/25</a:t>
             </a:fld>
             <a:endParaRPr lang="en-US"/>
           </a:p>
@@ -1835,7 +1835,7 @@
           <a:p>
             <a:fld id="{A7C434D2-4FCE-1B42-8AA2-1D32263F022D}" type="datetimeFigureOut">
               <a:rPr lang="en-US" smtClean="0"/>
-              <a:t>9/16/23</a:t>
+              <a:t>7/7/25</a:t>
             </a:fld>
             <a:endParaRPr lang="en-US"/>
           </a:p>
@@ -1976,7 +1976,7 @@
           <a:p>
             <a:fld id="{A7C434D2-4FCE-1B42-8AA2-1D32263F022D}" type="datetimeFigureOut">
               <a:rPr lang="en-US" smtClean="0"/>
-              <a:t>9/16/23</a:t>
+              <a:t>7/7/25</a:t>
             </a:fld>
             <a:endParaRPr lang="en-US"/>
           </a:p>
@@ -2089,7 +2089,7 @@
           <a:p>
             <a:fld id="{A7C434D2-4FCE-1B42-8AA2-1D32263F022D}" type="datetimeFigureOut">
               <a:rPr lang="en-US" smtClean="0"/>
-              <a:t>9/16/23</a:t>
+              <a:t>7/7/25</a:t>
             </a:fld>
             <a:endParaRPr lang="en-US"/>
           </a:p>
@@ -2400,7 +2400,7 @@
           <a:p>
             <a:fld id="{A7C434D2-4FCE-1B42-8AA2-1D32263F022D}" type="datetimeFigureOut">
               <a:rPr lang="en-US" smtClean="0"/>
-              <a:t>9/16/23</a:t>
+              <a:t>7/7/25</a:t>
             </a:fld>
             <a:endParaRPr lang="en-US"/>
           </a:p>
@@ -2688,7 +2688,7 @@
           <a:p>
             <a:fld id="{A7C434D2-4FCE-1B42-8AA2-1D32263F022D}" type="datetimeFigureOut">
               <a:rPr lang="en-US" smtClean="0"/>
-              <a:t>9/16/23</a:t>
+              <a:t>7/7/25</a:t>
             </a:fld>
             <a:endParaRPr lang="en-US"/>
           </a:p>
@@ -2929,7 +2929,7 @@
           <a:p>
             <a:fld id="{A7C434D2-4FCE-1B42-8AA2-1D32263F022D}" type="datetimeFigureOut">
               <a:rPr lang="en-US" smtClean="0"/>
-              <a:t>9/16/23</a:t>
+              <a:t>7/7/25</a:t>
             </a:fld>
             <a:endParaRPr lang="en-US"/>
           </a:p>
@@ -3025,6 +3025,36 @@
           </a:p>
         </p:txBody>
       </p:sp>
+      <p:pic>
+        <p:nvPicPr>
+          <p:cNvPr id="8" name="Imagem 7" descr="Tela de computador com texto preto sobre fundo branco&#10;&#10;O conteúdo gerado por IA pode estar incorreto.">
+            <a:extLst>
+              <a:ext uri="{FF2B5EF4-FFF2-40B4-BE49-F238E27FC236}">
+                <a16:creationId xmlns:a16="http://schemas.microsoft.com/office/drawing/2014/main" id="{631AFE7B-E15A-0C57-5A85-B74BE65AD629}"/>
+              </a:ext>
+            </a:extLst>
+          </p:cNvPr>
+          <p:cNvPicPr>
+            <a:picLocks noChangeAspect="1"/>
+          </p:cNvPicPr>
+          <p:nvPr userDrawn="1"/>
+        </p:nvPicPr>
+        <p:blipFill>
+          <a:blip r:embed="rId13"/>
+          <a:stretch>
+            <a:fillRect/>
+          </a:stretch>
+        </p:blipFill>
+        <p:spPr>
+          <a:xfrm>
+            <a:off x="11481955" y="0"/>
+            <a:ext cx="595744" cy="842209"/>
+          </a:xfrm>
+          <a:prstGeom prst="rect">
+            <a:avLst/>
+          </a:prstGeom>
+        </p:spPr>
+      </p:pic>
     </p:spTree>
     <p:extLst>
       <p:ext uri="{BB962C8B-B14F-4D97-AF65-F5344CB8AC3E}">

--- a/templates/template.pptx
+++ b/templates/template.pptx
@@ -269,7 +269,7 @@
             <a:fld id="{A7C434D2-4FCE-1B42-8AA2-1D32263F022D}" type="datetimeFigureOut">
               <a:rPr lang="en-US" smtClean="0"/>
               <a:pPr/>
-              <a:t>7/7/25</a:t>
+              <a:t>8/17/25</a:t>
             </a:fld>
             <a:endParaRPr lang="en-US" dirty="0"/>
           </a:p>
@@ -467,7 +467,7 @@
           <a:p>
             <a:fld id="{A7C434D2-4FCE-1B42-8AA2-1D32263F022D}" type="datetimeFigureOut">
               <a:rPr lang="en-US" smtClean="0"/>
-              <a:t>7/7/25</a:t>
+              <a:t>8/17/25</a:t>
             </a:fld>
             <a:endParaRPr lang="en-US"/>
           </a:p>
@@ -675,7 +675,7 @@
           <a:p>
             <a:fld id="{A7C434D2-4FCE-1B42-8AA2-1D32263F022D}" type="datetimeFigureOut">
               <a:rPr lang="en-US" smtClean="0"/>
-              <a:t>7/7/25</a:t>
+              <a:t>8/17/25</a:t>
             </a:fld>
             <a:endParaRPr lang="en-US"/>
           </a:p>
@@ -739,6 +739,36 @@
     <p:extLst>
       <p:ext uri="{BB962C8B-B14F-4D97-AF65-F5344CB8AC3E}">
         <p14:creationId xmlns:p14="http://schemas.microsoft.com/office/powerpoint/2010/main" val="1000767286"/>
+      </p:ext>
+    </p:extLst>
+  </p:cSld>
+  <p:clrMapOvr>
+    <a:masterClrMapping/>
+  </p:clrMapOvr>
+</p:sldLayout>
+</file>
+
+<file path=ppt/slideLayouts/slideLayout12.xml><?xml version="1.0" encoding="utf-8"?>
+<p:sldLayout xmlns:a="http://schemas.openxmlformats.org/drawingml/2006/main" xmlns:r="http://schemas.openxmlformats.org/officeDocument/2006/relationships" xmlns:p="http://schemas.openxmlformats.org/presentationml/2006/main" preserve="1" userDrawn="1">
+  <p:cSld name="1_Vertical Title and Text">
+    <p:spTree>
+      <p:nvGrpSpPr>
+        <p:cNvPr id="1" name=""/>
+        <p:cNvGrpSpPr/>
+        <p:nvPr/>
+      </p:nvGrpSpPr>
+      <p:grpSpPr>
+        <a:xfrm>
+          <a:off x="0" y="0"/>
+          <a:ext cx="0" cy="0"/>
+          <a:chOff x="0" y="0"/>
+          <a:chExt cx="0" cy="0"/>
+        </a:xfrm>
+      </p:grpSpPr>
+    </p:spTree>
+    <p:extLst>
+      <p:ext uri="{BB962C8B-B14F-4D97-AF65-F5344CB8AC3E}">
+        <p14:creationId xmlns:p14="http://schemas.microsoft.com/office/powerpoint/2010/main" val="3864676734"/>
       </p:ext>
     </p:extLst>
   </p:cSld>
@@ -883,7 +913,7 @@
           <a:p>
             <a:fld id="{A7C434D2-4FCE-1B42-8AA2-1D32263F022D}" type="datetimeFigureOut">
               <a:rPr lang="en-US" smtClean="0"/>
-              <a:t>7/7/25</a:t>
+              <a:t>8/17/25</a:t>
             </a:fld>
             <a:endParaRPr lang="en-US"/>
           </a:p>
@@ -1158,7 +1188,7 @@
           <a:p>
             <a:fld id="{A7C434D2-4FCE-1B42-8AA2-1D32263F022D}" type="datetimeFigureOut">
               <a:rPr lang="en-US" smtClean="0"/>
-              <a:t>7/7/25</a:t>
+              <a:t>8/17/25</a:t>
             </a:fld>
             <a:endParaRPr lang="en-US"/>
           </a:p>
@@ -1423,7 +1453,7 @@
           <a:p>
             <a:fld id="{A7C434D2-4FCE-1B42-8AA2-1D32263F022D}" type="datetimeFigureOut">
               <a:rPr lang="en-US" smtClean="0"/>
-              <a:t>7/7/25</a:t>
+              <a:t>8/17/25</a:t>
             </a:fld>
             <a:endParaRPr lang="en-US"/>
           </a:p>
@@ -1835,7 +1865,7 @@
           <a:p>
             <a:fld id="{A7C434D2-4FCE-1B42-8AA2-1D32263F022D}" type="datetimeFigureOut">
               <a:rPr lang="en-US" smtClean="0"/>
-              <a:t>7/7/25</a:t>
+              <a:t>8/17/25</a:t>
             </a:fld>
             <a:endParaRPr lang="en-US"/>
           </a:p>
@@ -1976,7 +2006,7 @@
           <a:p>
             <a:fld id="{A7C434D2-4FCE-1B42-8AA2-1D32263F022D}" type="datetimeFigureOut">
               <a:rPr lang="en-US" smtClean="0"/>
-              <a:t>7/7/25</a:t>
+              <a:t>8/17/25</a:t>
             </a:fld>
             <a:endParaRPr lang="en-US"/>
           </a:p>
@@ -2089,7 +2119,7 @@
           <a:p>
             <a:fld id="{A7C434D2-4FCE-1B42-8AA2-1D32263F022D}" type="datetimeFigureOut">
               <a:rPr lang="en-US" smtClean="0"/>
-              <a:t>7/7/25</a:t>
+              <a:t>8/17/25</a:t>
             </a:fld>
             <a:endParaRPr lang="en-US"/>
           </a:p>
@@ -2400,7 +2430,7 @@
           <a:p>
             <a:fld id="{A7C434D2-4FCE-1B42-8AA2-1D32263F022D}" type="datetimeFigureOut">
               <a:rPr lang="en-US" smtClean="0"/>
-              <a:t>7/7/25</a:t>
+              <a:t>8/17/25</a:t>
             </a:fld>
             <a:endParaRPr lang="en-US"/>
           </a:p>
@@ -2688,7 +2718,7 @@
           <a:p>
             <a:fld id="{A7C434D2-4FCE-1B42-8AA2-1D32263F022D}" type="datetimeFigureOut">
               <a:rPr lang="en-US" smtClean="0"/>
-              <a:t>7/7/25</a:t>
+              <a:t>8/17/25</a:t>
             </a:fld>
             <a:endParaRPr lang="en-US"/>
           </a:p>
@@ -2929,7 +2959,7 @@
           <a:p>
             <a:fld id="{A7C434D2-4FCE-1B42-8AA2-1D32263F022D}" type="datetimeFigureOut">
               <a:rPr lang="en-US" smtClean="0"/>
-              <a:t>7/7/25</a:t>
+              <a:t>8/17/25</a:t>
             </a:fld>
             <a:endParaRPr lang="en-US"/>
           </a:p>
@@ -3040,7 +3070,7 @@
           <p:nvPr userDrawn="1"/>
         </p:nvPicPr>
         <p:blipFill>
-          <a:blip r:embed="rId13"/>
+          <a:blip r:embed="rId14"/>
           <a:stretch>
             <a:fillRect/>
           </a:stretch>
@@ -3075,6 +3105,7 @@
     <p:sldLayoutId id="2147483657" r:id="rId9"/>
     <p:sldLayoutId id="2147483658" r:id="rId10"/>
     <p:sldLayoutId id="2147483659" r:id="rId11"/>
+    <p:sldLayoutId id="2147483660" r:id="rId12"/>
   </p:sldLayoutIdLst>
   <p:txStyles>
     <p:titleStyle>
